--- a/Social Media X.pptx
+++ b/Social Media X.pptx
@@ -107,6 +107,11 @@
       </a:defRPr>
     </a:lvl9pPr>
   </p:defaultTextStyle>
+  <p:extLst>
+    <p:ext uri="{EFAFB233-063F-42B5-8137-9DF3F51BA10A}">
+      <p15:sldGuideLst xmlns:p15="http://schemas.microsoft.com/office/powerpoint/2012/main"/>
+    </p:ext>
+  </p:extLst>
 </p:presentation>
 </file>
 
@@ -152,10 +157,9 @@
           </a:lstStyle>
           <a:p>
             <a:r>
-              <a:rPr lang="en-US" smtClean="0"/>
+              <a:rPr lang="en-US"/>
               <a:t>Click to edit Master title style</a:t>
             </a:r>
-            <a:endParaRPr lang="en-US"/>
           </a:p>
         </p:txBody>
       </p:sp>
@@ -217,10 +221,9 @@
           </a:lstStyle>
           <a:p>
             <a:r>
-              <a:rPr lang="en-US" smtClean="0"/>
+              <a:rPr lang="en-US"/>
               <a:t>Click to edit Master subtitle style</a:t>
             </a:r>
-            <a:endParaRPr lang="en-US"/>
           </a:p>
         </p:txBody>
       </p:sp>
@@ -241,7 +244,7 @@
           <a:p>
             <a:fld id="{7C6265B6-3191-49CF-8EC8-420CD4648174}" type="datetimeFigureOut">
               <a:rPr lang="en-US" smtClean="0"/>
-              <a:t>4/23/2017</a:t>
+              <a:t>4/24/2017</a:t>
             </a:fld>
             <a:endParaRPr lang="en-US"/>
           </a:p>
@@ -335,10 +338,9 @@
           <a:lstStyle/>
           <a:p>
             <a:r>
-              <a:rPr lang="en-US" smtClean="0"/>
+              <a:rPr lang="en-US"/>
               <a:t>Click to edit Master title style</a:t>
             </a:r>
-            <a:endParaRPr lang="en-US"/>
           </a:p>
         </p:txBody>
       </p:sp>
@@ -359,38 +361,37 @@
           <a:p>
             <a:pPr lvl="0"/>
             <a:r>
-              <a:rPr lang="en-US" smtClean="0"/>
+              <a:rPr lang="en-US"/>
               <a:t>Click to edit Master text styles</a:t>
             </a:r>
           </a:p>
           <a:p>
             <a:pPr lvl="1"/>
             <a:r>
-              <a:rPr lang="en-US" smtClean="0"/>
+              <a:rPr lang="en-US"/>
               <a:t>Second level</a:t>
             </a:r>
           </a:p>
           <a:p>
             <a:pPr lvl="2"/>
             <a:r>
-              <a:rPr lang="en-US" smtClean="0"/>
+              <a:rPr lang="en-US"/>
               <a:t>Third level</a:t>
             </a:r>
           </a:p>
           <a:p>
             <a:pPr lvl="3"/>
             <a:r>
-              <a:rPr lang="en-US" smtClean="0"/>
+              <a:rPr lang="en-US"/>
               <a:t>Fourth level</a:t>
             </a:r>
           </a:p>
           <a:p>
             <a:pPr lvl="4"/>
             <a:r>
-              <a:rPr lang="en-US" smtClean="0"/>
+              <a:rPr lang="en-US"/>
               <a:t>Fifth level</a:t>
             </a:r>
-            <a:endParaRPr lang="en-US"/>
           </a:p>
         </p:txBody>
       </p:sp>
@@ -411,7 +412,7 @@
           <a:p>
             <a:fld id="{7C6265B6-3191-49CF-8EC8-420CD4648174}" type="datetimeFigureOut">
               <a:rPr lang="en-US" smtClean="0"/>
-              <a:t>4/23/2017</a:t>
+              <a:t>4/24/2017</a:t>
             </a:fld>
             <a:endParaRPr lang="en-US"/>
           </a:p>
@@ -510,10 +511,9 @@
           <a:lstStyle/>
           <a:p>
             <a:r>
-              <a:rPr lang="en-US" smtClean="0"/>
+              <a:rPr lang="en-US"/>
               <a:t>Click to edit Master title style</a:t>
             </a:r>
-            <a:endParaRPr lang="en-US"/>
           </a:p>
         </p:txBody>
       </p:sp>
@@ -539,38 +539,37 @@
           <a:p>
             <a:pPr lvl="0"/>
             <a:r>
-              <a:rPr lang="en-US" smtClean="0"/>
+              <a:rPr lang="en-US"/>
               <a:t>Click to edit Master text styles</a:t>
             </a:r>
           </a:p>
           <a:p>
             <a:pPr lvl="1"/>
             <a:r>
-              <a:rPr lang="en-US" smtClean="0"/>
+              <a:rPr lang="en-US"/>
               <a:t>Second level</a:t>
             </a:r>
           </a:p>
           <a:p>
             <a:pPr lvl="2"/>
             <a:r>
-              <a:rPr lang="en-US" smtClean="0"/>
+              <a:rPr lang="en-US"/>
               <a:t>Third level</a:t>
             </a:r>
           </a:p>
           <a:p>
             <a:pPr lvl="3"/>
             <a:r>
-              <a:rPr lang="en-US" smtClean="0"/>
+              <a:rPr lang="en-US"/>
               <a:t>Fourth level</a:t>
             </a:r>
           </a:p>
           <a:p>
             <a:pPr lvl="4"/>
             <a:r>
-              <a:rPr lang="en-US" smtClean="0"/>
+              <a:rPr lang="en-US"/>
               <a:t>Fifth level</a:t>
             </a:r>
-            <a:endParaRPr lang="en-US"/>
           </a:p>
         </p:txBody>
       </p:sp>
@@ -591,7 +590,7 @@
           <a:p>
             <a:fld id="{7C6265B6-3191-49CF-8EC8-420CD4648174}" type="datetimeFigureOut">
               <a:rPr lang="en-US" smtClean="0"/>
-              <a:t>4/23/2017</a:t>
+              <a:t>4/24/2017</a:t>
             </a:fld>
             <a:endParaRPr lang="en-US"/>
           </a:p>
@@ -685,10 +684,9 @@
           <a:lstStyle/>
           <a:p>
             <a:r>
-              <a:rPr lang="en-US" smtClean="0"/>
+              <a:rPr lang="en-US"/>
               <a:t>Click to edit Master title style</a:t>
             </a:r>
-            <a:endParaRPr lang="en-US"/>
           </a:p>
         </p:txBody>
       </p:sp>
@@ -709,38 +707,37 @@
           <a:p>
             <a:pPr lvl="0"/>
             <a:r>
-              <a:rPr lang="en-US" smtClean="0"/>
+              <a:rPr lang="en-US"/>
               <a:t>Click to edit Master text styles</a:t>
             </a:r>
           </a:p>
           <a:p>
             <a:pPr lvl="1"/>
             <a:r>
-              <a:rPr lang="en-US" smtClean="0"/>
+              <a:rPr lang="en-US"/>
               <a:t>Second level</a:t>
             </a:r>
           </a:p>
           <a:p>
             <a:pPr lvl="2"/>
             <a:r>
-              <a:rPr lang="en-US" smtClean="0"/>
+              <a:rPr lang="en-US"/>
               <a:t>Third level</a:t>
             </a:r>
           </a:p>
           <a:p>
             <a:pPr lvl="3"/>
             <a:r>
-              <a:rPr lang="en-US" smtClean="0"/>
+              <a:rPr lang="en-US"/>
               <a:t>Fourth level</a:t>
             </a:r>
           </a:p>
           <a:p>
             <a:pPr lvl="4"/>
             <a:r>
-              <a:rPr lang="en-US" smtClean="0"/>
+              <a:rPr lang="en-US"/>
               <a:t>Fifth level</a:t>
             </a:r>
-            <a:endParaRPr lang="en-US"/>
           </a:p>
         </p:txBody>
       </p:sp>
@@ -761,7 +758,7 @@
           <a:p>
             <a:fld id="{7C6265B6-3191-49CF-8EC8-420CD4648174}" type="datetimeFigureOut">
               <a:rPr lang="en-US" smtClean="0"/>
-              <a:t>4/23/2017</a:t>
+              <a:t>4/24/2017</a:t>
             </a:fld>
             <a:endParaRPr lang="en-US"/>
           </a:p>
@@ -864,10 +861,9 @@
           </a:lstStyle>
           <a:p>
             <a:r>
-              <a:rPr lang="en-US" smtClean="0"/>
+              <a:rPr lang="en-US"/>
               <a:t>Click to edit Master title style</a:t>
             </a:r>
-            <a:endParaRPr lang="en-US"/>
           </a:p>
         </p:txBody>
       </p:sp>
@@ -984,7 +980,7 @@
           <a:p>
             <a:pPr lvl="0"/>
             <a:r>
-              <a:rPr lang="en-US" smtClean="0"/>
+              <a:rPr lang="en-US"/>
               <a:t>Click to edit Master text styles</a:t>
             </a:r>
           </a:p>
@@ -1007,7 +1003,7 @@
           <a:p>
             <a:fld id="{7C6265B6-3191-49CF-8EC8-420CD4648174}" type="datetimeFigureOut">
               <a:rPr lang="en-US" smtClean="0"/>
-              <a:t>4/23/2017</a:t>
+              <a:t>4/24/2017</a:t>
             </a:fld>
             <a:endParaRPr lang="en-US"/>
           </a:p>
@@ -1101,10 +1097,9 @@
           <a:lstStyle/>
           <a:p>
             <a:r>
-              <a:rPr lang="en-US" smtClean="0"/>
+              <a:rPr lang="en-US"/>
               <a:t>Click to edit Master title style</a:t>
             </a:r>
-            <a:endParaRPr lang="en-US"/>
           </a:p>
         </p:txBody>
       </p:sp>
@@ -1130,38 +1125,37 @@
           <a:p>
             <a:pPr lvl="0"/>
             <a:r>
-              <a:rPr lang="en-US" smtClean="0"/>
+              <a:rPr lang="en-US"/>
               <a:t>Click to edit Master text styles</a:t>
             </a:r>
           </a:p>
           <a:p>
             <a:pPr lvl="1"/>
             <a:r>
-              <a:rPr lang="en-US" smtClean="0"/>
+              <a:rPr lang="en-US"/>
               <a:t>Second level</a:t>
             </a:r>
           </a:p>
           <a:p>
             <a:pPr lvl="2"/>
             <a:r>
-              <a:rPr lang="en-US" smtClean="0"/>
+              <a:rPr lang="en-US"/>
               <a:t>Third level</a:t>
             </a:r>
           </a:p>
           <a:p>
             <a:pPr lvl="3"/>
             <a:r>
-              <a:rPr lang="en-US" smtClean="0"/>
+              <a:rPr lang="en-US"/>
               <a:t>Fourth level</a:t>
             </a:r>
           </a:p>
           <a:p>
             <a:pPr lvl="4"/>
             <a:r>
-              <a:rPr lang="en-US" smtClean="0"/>
+              <a:rPr lang="en-US"/>
               <a:t>Fifth level</a:t>
             </a:r>
-            <a:endParaRPr lang="en-US"/>
           </a:p>
         </p:txBody>
       </p:sp>
@@ -1187,38 +1181,37 @@
           <a:p>
             <a:pPr lvl="0"/>
             <a:r>
-              <a:rPr lang="en-US" smtClean="0"/>
+              <a:rPr lang="en-US"/>
               <a:t>Click to edit Master text styles</a:t>
             </a:r>
           </a:p>
           <a:p>
             <a:pPr lvl="1"/>
             <a:r>
-              <a:rPr lang="en-US" smtClean="0"/>
+              <a:rPr lang="en-US"/>
               <a:t>Second level</a:t>
             </a:r>
           </a:p>
           <a:p>
             <a:pPr lvl="2"/>
             <a:r>
-              <a:rPr lang="en-US" smtClean="0"/>
+              <a:rPr lang="en-US"/>
               <a:t>Third level</a:t>
             </a:r>
           </a:p>
           <a:p>
             <a:pPr lvl="3"/>
             <a:r>
-              <a:rPr lang="en-US" smtClean="0"/>
+              <a:rPr lang="en-US"/>
               <a:t>Fourth level</a:t>
             </a:r>
           </a:p>
           <a:p>
             <a:pPr lvl="4"/>
             <a:r>
-              <a:rPr lang="en-US" smtClean="0"/>
+              <a:rPr lang="en-US"/>
               <a:t>Fifth level</a:t>
             </a:r>
-            <a:endParaRPr lang="en-US"/>
           </a:p>
         </p:txBody>
       </p:sp>
@@ -1239,7 +1232,7 @@
           <a:p>
             <a:fld id="{7C6265B6-3191-49CF-8EC8-420CD4648174}" type="datetimeFigureOut">
               <a:rPr lang="en-US" smtClean="0"/>
-              <a:t>4/23/2017</a:t>
+              <a:t>4/24/2017</a:t>
             </a:fld>
             <a:endParaRPr lang="en-US"/>
           </a:p>
@@ -1338,10 +1331,9 @@
           <a:lstStyle/>
           <a:p>
             <a:r>
-              <a:rPr lang="en-US" smtClean="0"/>
+              <a:rPr lang="en-US"/>
               <a:t>Click to edit Master title style</a:t>
             </a:r>
-            <a:endParaRPr lang="en-US"/>
           </a:p>
         </p:txBody>
       </p:sp>
@@ -1404,7 +1396,7 @@
           <a:p>
             <a:pPr lvl="0"/>
             <a:r>
-              <a:rPr lang="en-US" smtClean="0"/>
+              <a:rPr lang="en-US"/>
               <a:t>Click to edit Master text styles</a:t>
             </a:r>
           </a:p>
@@ -1432,38 +1424,37 @@
           <a:p>
             <a:pPr lvl="0"/>
             <a:r>
-              <a:rPr lang="en-US" smtClean="0"/>
+              <a:rPr lang="en-US"/>
               <a:t>Click to edit Master text styles</a:t>
             </a:r>
           </a:p>
           <a:p>
             <a:pPr lvl="1"/>
             <a:r>
-              <a:rPr lang="en-US" smtClean="0"/>
+              <a:rPr lang="en-US"/>
               <a:t>Second level</a:t>
             </a:r>
           </a:p>
           <a:p>
             <a:pPr lvl="2"/>
             <a:r>
-              <a:rPr lang="en-US" smtClean="0"/>
+              <a:rPr lang="en-US"/>
               <a:t>Third level</a:t>
             </a:r>
           </a:p>
           <a:p>
             <a:pPr lvl="3"/>
             <a:r>
-              <a:rPr lang="en-US" smtClean="0"/>
+              <a:rPr lang="en-US"/>
               <a:t>Fourth level</a:t>
             </a:r>
           </a:p>
           <a:p>
             <a:pPr lvl="4"/>
             <a:r>
-              <a:rPr lang="en-US" smtClean="0"/>
+              <a:rPr lang="en-US"/>
               <a:t>Fifth level</a:t>
             </a:r>
-            <a:endParaRPr lang="en-US"/>
           </a:p>
         </p:txBody>
       </p:sp>
@@ -1526,7 +1517,7 @@
           <a:p>
             <a:pPr lvl="0"/>
             <a:r>
-              <a:rPr lang="en-US" smtClean="0"/>
+              <a:rPr lang="en-US"/>
               <a:t>Click to edit Master text styles</a:t>
             </a:r>
           </a:p>
@@ -1554,38 +1545,37 @@
           <a:p>
             <a:pPr lvl="0"/>
             <a:r>
-              <a:rPr lang="en-US" smtClean="0"/>
+              <a:rPr lang="en-US"/>
               <a:t>Click to edit Master text styles</a:t>
             </a:r>
           </a:p>
           <a:p>
             <a:pPr lvl="1"/>
             <a:r>
-              <a:rPr lang="en-US" smtClean="0"/>
+              <a:rPr lang="en-US"/>
               <a:t>Second level</a:t>
             </a:r>
           </a:p>
           <a:p>
             <a:pPr lvl="2"/>
             <a:r>
-              <a:rPr lang="en-US" smtClean="0"/>
+              <a:rPr lang="en-US"/>
               <a:t>Third level</a:t>
             </a:r>
           </a:p>
           <a:p>
             <a:pPr lvl="3"/>
             <a:r>
-              <a:rPr lang="en-US" smtClean="0"/>
+              <a:rPr lang="en-US"/>
               <a:t>Fourth level</a:t>
             </a:r>
           </a:p>
           <a:p>
             <a:pPr lvl="4"/>
             <a:r>
-              <a:rPr lang="en-US" smtClean="0"/>
+              <a:rPr lang="en-US"/>
               <a:t>Fifth level</a:t>
             </a:r>
-            <a:endParaRPr lang="en-US"/>
           </a:p>
         </p:txBody>
       </p:sp>
@@ -1606,7 +1596,7 @@
           <a:p>
             <a:fld id="{7C6265B6-3191-49CF-8EC8-420CD4648174}" type="datetimeFigureOut">
               <a:rPr lang="en-US" smtClean="0"/>
-              <a:t>4/23/2017</a:t>
+              <a:t>4/24/2017</a:t>
             </a:fld>
             <a:endParaRPr lang="en-US"/>
           </a:p>
@@ -1700,10 +1690,9 @@
           <a:lstStyle/>
           <a:p>
             <a:r>
-              <a:rPr lang="en-US" smtClean="0"/>
+              <a:rPr lang="en-US"/>
               <a:t>Click to edit Master title style</a:t>
             </a:r>
-            <a:endParaRPr lang="en-US"/>
           </a:p>
         </p:txBody>
       </p:sp>
@@ -1724,7 +1713,7 @@
           <a:p>
             <a:fld id="{7C6265B6-3191-49CF-8EC8-420CD4648174}" type="datetimeFigureOut">
               <a:rPr lang="en-US" smtClean="0"/>
-              <a:t>4/23/2017</a:t>
+              <a:t>4/24/2017</a:t>
             </a:fld>
             <a:endParaRPr lang="en-US"/>
           </a:p>
@@ -1819,7 +1808,7 @@
           <a:p>
             <a:fld id="{7C6265B6-3191-49CF-8EC8-420CD4648174}" type="datetimeFigureOut">
               <a:rPr lang="en-US" smtClean="0"/>
-              <a:t>4/23/2017</a:t>
+              <a:t>4/24/2017</a:t>
             </a:fld>
             <a:endParaRPr lang="en-US"/>
           </a:p>
@@ -1922,10 +1911,9 @@
           </a:lstStyle>
           <a:p>
             <a:r>
-              <a:rPr lang="en-US" smtClean="0"/>
+              <a:rPr lang="en-US"/>
               <a:t>Click to edit Master title style</a:t>
             </a:r>
-            <a:endParaRPr lang="en-US"/>
           </a:p>
         </p:txBody>
       </p:sp>
@@ -1979,38 +1967,37 @@
           <a:p>
             <a:pPr lvl="0"/>
             <a:r>
-              <a:rPr lang="en-US" smtClean="0"/>
+              <a:rPr lang="en-US"/>
               <a:t>Click to edit Master text styles</a:t>
             </a:r>
           </a:p>
           <a:p>
             <a:pPr lvl="1"/>
             <a:r>
-              <a:rPr lang="en-US" smtClean="0"/>
+              <a:rPr lang="en-US"/>
               <a:t>Second level</a:t>
             </a:r>
           </a:p>
           <a:p>
             <a:pPr lvl="2"/>
             <a:r>
-              <a:rPr lang="en-US" smtClean="0"/>
+              <a:rPr lang="en-US"/>
               <a:t>Third level</a:t>
             </a:r>
           </a:p>
           <a:p>
             <a:pPr lvl="3"/>
             <a:r>
-              <a:rPr lang="en-US" smtClean="0"/>
+              <a:rPr lang="en-US"/>
               <a:t>Fourth level</a:t>
             </a:r>
           </a:p>
           <a:p>
             <a:pPr lvl="4"/>
             <a:r>
-              <a:rPr lang="en-US" smtClean="0"/>
+              <a:rPr lang="en-US"/>
               <a:t>Fifth level</a:t>
             </a:r>
-            <a:endParaRPr lang="en-US"/>
           </a:p>
         </p:txBody>
       </p:sp>
@@ -2073,7 +2060,7 @@
           <a:p>
             <a:pPr lvl="0"/>
             <a:r>
-              <a:rPr lang="en-US" smtClean="0"/>
+              <a:rPr lang="en-US"/>
               <a:t>Click to edit Master text styles</a:t>
             </a:r>
           </a:p>
@@ -2096,7 +2083,7 @@
           <a:p>
             <a:fld id="{7C6265B6-3191-49CF-8EC8-420CD4648174}" type="datetimeFigureOut">
               <a:rPr lang="en-US" smtClean="0"/>
-              <a:t>4/23/2017</a:t>
+              <a:t>4/24/2017</a:t>
             </a:fld>
             <a:endParaRPr lang="en-US"/>
           </a:p>
@@ -2199,10 +2186,9 @@
           </a:lstStyle>
           <a:p>
             <a:r>
-              <a:rPr lang="en-US" smtClean="0"/>
+              <a:rPr lang="en-US"/>
               <a:t>Click to edit Master title style</a:t>
             </a:r>
-            <a:endParaRPr lang="en-US"/>
           </a:p>
         </p:txBody>
       </p:sp>
@@ -2326,7 +2312,7 @@
           <a:p>
             <a:pPr lvl="0"/>
             <a:r>
-              <a:rPr lang="en-US" smtClean="0"/>
+              <a:rPr lang="en-US"/>
               <a:t>Click to edit Master text styles</a:t>
             </a:r>
           </a:p>
@@ -2349,7 +2335,7 @@
           <a:p>
             <a:fld id="{7C6265B6-3191-49CF-8EC8-420CD4648174}" type="datetimeFigureOut">
               <a:rPr lang="en-US" smtClean="0"/>
-              <a:t>4/23/2017</a:t>
+              <a:t>4/24/2017</a:t>
             </a:fld>
             <a:endParaRPr lang="en-US"/>
           </a:p>
@@ -2458,10 +2444,9 @@
           <a:lstStyle/>
           <a:p>
             <a:r>
-              <a:rPr lang="en-US" smtClean="0"/>
+              <a:rPr lang="en-US"/>
               <a:t>Click to edit Master title style</a:t>
             </a:r>
-            <a:endParaRPr lang="en-US"/>
           </a:p>
         </p:txBody>
       </p:sp>
@@ -2492,38 +2477,37 @@
           <a:p>
             <a:pPr lvl="0"/>
             <a:r>
-              <a:rPr lang="en-US" smtClean="0"/>
+              <a:rPr lang="en-US"/>
               <a:t>Click to edit Master text styles</a:t>
             </a:r>
           </a:p>
           <a:p>
             <a:pPr lvl="1"/>
             <a:r>
-              <a:rPr lang="en-US" smtClean="0"/>
+              <a:rPr lang="en-US"/>
               <a:t>Second level</a:t>
             </a:r>
           </a:p>
           <a:p>
             <a:pPr lvl="2"/>
             <a:r>
-              <a:rPr lang="en-US" smtClean="0"/>
+              <a:rPr lang="en-US"/>
               <a:t>Third level</a:t>
             </a:r>
           </a:p>
           <a:p>
             <a:pPr lvl="3"/>
             <a:r>
-              <a:rPr lang="en-US" smtClean="0"/>
+              <a:rPr lang="en-US"/>
               <a:t>Fourth level</a:t>
             </a:r>
           </a:p>
           <a:p>
             <a:pPr lvl="4"/>
             <a:r>
-              <a:rPr lang="en-US" smtClean="0"/>
+              <a:rPr lang="en-US"/>
               <a:t>Fifth level</a:t>
             </a:r>
-            <a:endParaRPr lang="en-US"/>
           </a:p>
         </p:txBody>
       </p:sp>
@@ -2562,7 +2546,7 @@
           <a:p>
             <a:fld id="{7C6265B6-3191-49CF-8EC8-420CD4648174}" type="datetimeFigureOut">
               <a:rPr lang="en-US" smtClean="0"/>
-              <a:t>4/23/2017</a:t>
+              <a:t>4/24/2017</a:t>
             </a:fld>
             <a:endParaRPr lang="en-US"/>
           </a:p>
@@ -2983,10 +2967,9 @@
           <a:lstStyle/>
           <a:p>
             <a:r>
-              <a:rPr lang="en-US" dirty="0" smtClean="0"/>
+              <a:rPr lang="en-US" dirty="0"/>
               <a:t>Social Media X</a:t>
             </a:r>
-            <a:endParaRPr lang="en-US" dirty="0"/>
           </a:p>
         </p:txBody>
       </p:sp>
@@ -3008,39 +2991,38 @@
           <a:lstStyle/>
           <a:p>
             <a:r>
-              <a:rPr lang="en-US" dirty="0" smtClean="0"/>
+              <a:rPr lang="en-US" dirty="0"/>
               <a:t>By</a:t>
             </a:r>
           </a:p>
           <a:p>
             <a:r>
-              <a:rPr lang="en-US" dirty="0" smtClean="0"/>
+              <a:rPr lang="en-US" dirty="0"/>
               <a:t>Jared Kraemer</a:t>
             </a:r>
           </a:p>
           <a:p>
             <a:r>
-              <a:rPr lang="en-US" dirty="0" smtClean="0"/>
+              <a:rPr lang="en-US" dirty="0"/>
               <a:t>Andrew Anderson</a:t>
             </a:r>
           </a:p>
           <a:p>
             <a:r>
-              <a:rPr lang="en-US" dirty="0" smtClean="0"/>
+              <a:rPr lang="en-US" dirty="0"/>
               <a:t>Simon </a:t>
             </a:r>
             <a:r>
-              <a:rPr lang="en-US" dirty="0" err="1" smtClean="0"/>
+              <a:rPr lang="en-US" dirty="0" err="1"/>
               <a:t>Aizpurua</a:t>
             </a:r>
-            <a:endParaRPr lang="en-US" dirty="0" smtClean="0"/>
-          </a:p>
-          <a:p>
-            <a:r>
-              <a:rPr lang="en-US" dirty="0" smtClean="0"/>
-              <a:t>Helmet</a:t>
-            </a:r>
             <a:endParaRPr lang="en-US" dirty="0"/>
+          </a:p>
+          <a:p>
+            <a:r>
+              <a:rPr lang="en-US" dirty="0"/>
+              <a:t>Helmut Cardenas</a:t>
+            </a:r>
           </a:p>
         </p:txBody>
       </p:sp>
@@ -3090,10 +3072,9 @@
           <a:lstStyle/>
           <a:p>
             <a:r>
-              <a:rPr lang="en-US" dirty="0" smtClean="0"/>
+              <a:rPr lang="en-US" dirty="0"/>
               <a:t>What Is It?</a:t>
             </a:r>
-            <a:endParaRPr lang="en-US" dirty="0"/>
           </a:p>
         </p:txBody>
       </p:sp>
@@ -3113,7 +3094,7 @@
           <a:lstStyle/>
           <a:p>
             <a:r>
-              <a:rPr lang="en-US" dirty="0" smtClean="0">
+              <a:rPr lang="en-US" dirty="0">
                 <a:latin typeface="+mj-lt"/>
               </a:rPr>
               <a:t>A website that allows users to get specific information from their various social media accounts.</a:t>
@@ -3126,7 +3107,7 @@
           </a:p>
           <a:p>
             <a:r>
-              <a:rPr lang="en-US" dirty="0" smtClean="0">
+              <a:rPr lang="en-US" dirty="0">
                 <a:latin typeface="+mj-lt"/>
               </a:rPr>
               <a:t>Each different platform offers unique features for gathering information</a:t>
@@ -3139,17 +3120,14 @@
           </a:p>
           <a:p>
             <a:r>
-              <a:rPr lang="en-US" dirty="0" smtClean="0">
+              <a:rPr lang="en-US" dirty="0">
                 <a:latin typeface="+mj-lt"/>
               </a:rPr>
               <a:t>These features will allow users to perform actions, that would’ve previously been impossible on the vanilla platforms</a:t>
             </a:r>
+          </a:p>
+          <a:p>
             <a:endParaRPr lang="en-US" dirty="0">
-              <a:latin typeface="+mj-lt"/>
-            </a:endParaRPr>
-          </a:p>
-          <a:p>
-            <a:endParaRPr lang="en-US" dirty="0" smtClean="0">
               <a:latin typeface="+mj-lt"/>
             </a:endParaRPr>
           </a:p>
@@ -3209,10 +3187,9 @@
           <a:lstStyle/>
           <a:p>
             <a:r>
-              <a:rPr lang="en-US" dirty="0" smtClean="0"/>
+              <a:rPr lang="en-US" dirty="0"/>
               <a:t>What Is It? (cont’d)</a:t>
             </a:r>
-            <a:endParaRPr lang="en-US" dirty="0"/>
           </a:p>
         </p:txBody>
       </p:sp>
@@ -3232,7 +3209,7 @@
           <a:lstStyle/>
           <a:p>
             <a:r>
-              <a:rPr lang="en-US" dirty="0" smtClean="0">
+              <a:rPr lang="en-US" dirty="0">
                 <a:latin typeface="+mj-lt"/>
               </a:rPr>
               <a:t>We have support for Twitter, Facebook, and Instagram</a:t>
@@ -3240,7 +3217,7 @@
           </a:p>
           <a:p>
             <a:r>
-              <a:rPr lang="en-US" dirty="0" smtClean="0">
+              <a:rPr lang="en-US" dirty="0">
                 <a:latin typeface="+mj-lt"/>
               </a:rPr>
               <a:t>For the Facebook implementation, users can view specific analytics on their account</a:t>
@@ -3249,7 +3226,7 @@
           <a:p>
             <a:pPr lvl="1"/>
             <a:r>
-              <a:rPr lang="en-US" dirty="0" smtClean="0">
+              <a:rPr lang="en-US" dirty="0">
                 <a:latin typeface="+mj-lt"/>
               </a:rPr>
               <a:t>For example, being able to view the total amount of likes or posts during a certain amount of time</a:t>
@@ -3257,7 +3234,7 @@
           </a:p>
           <a:p>
             <a:r>
-              <a:rPr lang="en-US" dirty="0" smtClean="0">
+              <a:rPr lang="en-US" dirty="0">
                 <a:latin typeface="+mj-lt"/>
               </a:rPr>
               <a:t>For Twitter, users can download up 3200 tweets, from which they can search for specific keywords, or top favorite tweets</a:t>
@@ -3265,7 +3242,7 @@
           </a:p>
           <a:p>
             <a:r>
-              <a:rPr lang="en-US" dirty="0" smtClean="0">
+              <a:rPr lang="en-US" dirty="0">
                 <a:latin typeface="+mj-lt"/>
               </a:rPr>
               <a:t>For Instagram, users can delete posts before a date or posts under a user defined amount of like</a:t>
@@ -3319,10 +3296,9 @@
           <a:lstStyle/>
           <a:p>
             <a:r>
-              <a:rPr lang="en-US" dirty="0" smtClean="0"/>
+              <a:rPr lang="en-US" dirty="0"/>
               <a:t>What Did We Learn</a:t>
             </a:r>
-            <a:endParaRPr lang="en-US" dirty="0"/>
           </a:p>
         </p:txBody>
       </p:sp>
@@ -3342,42 +3318,53 @@
           <a:lstStyle/>
           <a:p>
             <a:r>
-              <a:rPr lang="en-US" dirty="0" smtClean="0">
+              <a:rPr lang="en-US" dirty="0">
                 <a:latin typeface="+mj-lt"/>
               </a:rPr>
               <a:t>We had extensive interaction with social media APIs, which really help us develop our skills with implementing features to social media platforms</a:t>
             </a:r>
           </a:p>
           <a:p>
-            <a:endParaRPr lang="en-US" dirty="0">
-              <a:latin typeface="+mj-lt"/>
-            </a:endParaRPr>
-          </a:p>
-          <a:p>
-            <a:r>
-              <a:rPr lang="en-US" dirty="0" smtClean="0">
+            <a:r>
+              <a:rPr lang="en-US" dirty="0">
+                <a:latin typeface="+mj-lt"/>
+              </a:rPr>
+              <a:t>How to correctly setup </a:t>
+            </a:r>
+            <a:r>
+              <a:rPr lang="en-US" dirty="0" err="1">
+                <a:latin typeface="+mj-lt"/>
+              </a:rPr>
+              <a:t>Oauth</a:t>
+            </a:r>
+            <a:r>
+              <a:rPr lang="en-US" dirty="0">
+                <a:latin typeface="+mj-lt"/>
+              </a:rPr>
+              <a:t>, an important feature in verifying a user with the media platform</a:t>
+            </a:r>
+          </a:p>
+          <a:p>
+            <a:r>
+              <a:rPr lang="en-US" dirty="0">
                 <a:latin typeface="+mj-lt"/>
               </a:rPr>
               <a:t>Learned the particulars of the </a:t>
             </a:r>
             <a:r>
-              <a:rPr lang="en-US" dirty="0" err="1" smtClean="0">
+              <a:rPr lang="en-US" dirty="0" err="1">
                 <a:latin typeface="+mj-lt"/>
               </a:rPr>
               <a:t>json</a:t>
             </a:r>
             <a:r>
-              <a:rPr lang="en-US" dirty="0" smtClean="0">
+              <a:rPr lang="en-US" dirty="0">
                 <a:latin typeface="+mj-lt"/>
               </a:rPr>
-              <a:t> structure for a large social </a:t>
-            </a:r>
-            <a:r>
-              <a:rPr lang="en-US" smtClean="0">
-                <a:latin typeface="+mj-lt"/>
-              </a:rPr>
-              <a:t>media platform</a:t>
-            </a:r>
+              <a:t> structure for a large social media platform</a:t>
+            </a:r>
+          </a:p>
+          <a:p>
             <a:endParaRPr lang="en-US" dirty="0">
               <a:latin typeface="+mj-lt"/>
             </a:endParaRPr>
